--- a/docs/presentation_introduction_project.pptx
+++ b/docs/presentation_introduction_project.pptx
@@ -178,6 +178,9 @@
           </p15:clr>
         </p15:guide>
       </p15:sldGuideLst>
+    </p:ext>
+    <p:ext uri="{2D200454-40CA-4A62-9FC3-DE9A4176ACB9}">
+      <p15:notesGuideLst xmlns:p15="http://schemas.microsoft.com/office/powerpoint/2012/main"/>
     </p:ext>
   </p:extLst>
 </p:presentation>
@@ -9898,10 +9901,10 @@
       </p:grpSpPr>
       <p:pic>
         <p:nvPicPr>
-          <p:cNvPr id="13" name="Picture 12">
+          <p:cNvPr id="6" name="Picture 5">
             <a:extLst>
               <a:ext uri="{FF2B5EF4-FFF2-40B4-BE49-F238E27FC236}">
-                <a16:creationId xmlns:a16="http://schemas.microsoft.com/office/drawing/2014/main" id="{FC259EED-BFA0-E7C1-BA03-66254FE5FFE0}"/>
+                <a16:creationId xmlns:a16="http://schemas.microsoft.com/office/drawing/2014/main" id="{FCB8048F-0A60-8718-D430-A081350A046B}"/>
               </a:ext>
             </a:extLst>
           </p:cNvPr>
@@ -9918,8 +9921,8 @@
         </p:blipFill>
         <p:spPr>
           <a:xfrm>
-            <a:off x="-180528" y="-16814050"/>
-            <a:ext cx="24698744" cy="23051362"/>
+            <a:off x="-612576" y="-84884"/>
+            <a:ext cx="10163435" cy="6306542"/>
           </a:xfrm>
           <a:prstGeom prst="rect">
             <a:avLst/>
@@ -10211,10 +10214,10 @@
       </p:grpSpPr>
       <p:pic>
         <p:nvPicPr>
-          <p:cNvPr id="13" name="Picture 12">
+          <p:cNvPr id="4" name="Picture 3">
             <a:extLst>
               <a:ext uri="{FF2B5EF4-FFF2-40B4-BE49-F238E27FC236}">
-                <a16:creationId xmlns:a16="http://schemas.microsoft.com/office/drawing/2014/main" id="{FC259EED-BFA0-E7C1-BA03-66254FE5FFE0}"/>
+                <a16:creationId xmlns:a16="http://schemas.microsoft.com/office/drawing/2014/main" id="{B5CAD09E-5C40-365F-8AF4-C7C563B856BB}"/>
               </a:ext>
             </a:extLst>
           </p:cNvPr>
@@ -10231,8 +10234,8 @@
         </p:blipFill>
         <p:spPr>
           <a:xfrm>
-            <a:off x="-180528" y="-16814050"/>
-            <a:ext cx="24698744" cy="23051362"/>
+            <a:off x="-612576" y="-84884"/>
+            <a:ext cx="10163435" cy="6306542"/>
           </a:xfrm>
           <a:prstGeom prst="rect">
             <a:avLst/>
